--- a/bwp_study/Bootstrap.pptx
+++ b/bwp_study/Bootstrap.pptx
@@ -319,7 +319,7 @@
           <a:p>
             <a:fld id="{FDE934FF-F4E1-47C5-9CA5-30A81DDE2BE4}" type="datetimeFigureOut">
               <a:rPr lang="en-US" smtClean="0"/>
-              <a:t>8/8/2024</a:t>
+              <a:t>10/18/2024</a:t>
             </a:fld>
             <a:endParaRPr lang="en-US"/>
           </a:p>
@@ -465,7 +465,7 @@
           <a:p>
             <a:fld id="{FDE934FF-F4E1-47C5-9CA5-30A81DDE2BE4}" type="datetimeFigureOut">
               <a:rPr lang="en-US" smtClean="0"/>
-              <a:t>8/8/2024</a:t>
+              <a:t>10/18/2024</a:t>
             </a:fld>
             <a:endParaRPr lang="en-US"/>
           </a:p>
@@ -628,7 +628,7 @@
           <a:p>
             <a:fld id="{FDE934FF-F4E1-47C5-9CA5-30A81DDE2BE4}" type="datetimeFigureOut">
               <a:rPr lang="en-US" smtClean="0"/>
-              <a:t>8/8/2024</a:t>
+              <a:t>10/18/2024</a:t>
             </a:fld>
             <a:endParaRPr lang="en-US"/>
           </a:p>
@@ -868,7 +868,7 @@
           <a:p>
             <a:fld id="{FDE934FF-F4E1-47C5-9CA5-30A81DDE2BE4}" type="datetimeFigureOut">
               <a:rPr lang="en-US" smtClean="0"/>
-              <a:t>8/8/2024</a:t>
+              <a:t>10/18/2024</a:t>
             </a:fld>
             <a:endParaRPr lang="en-US"/>
           </a:p>
@@ -1092,7 +1092,7 @@
           <a:p>
             <a:fld id="{FDE934FF-F4E1-47C5-9CA5-30A81DDE2BE4}" type="datetimeFigureOut">
               <a:rPr lang="en-US" smtClean="0"/>
-              <a:t>8/8/2024</a:t>
+              <a:t>10/18/2024</a:t>
             </a:fld>
             <a:endParaRPr lang="en-US"/>
           </a:p>
@@ -1451,7 +1451,7 @@
           <a:p>
             <a:fld id="{FDE934FF-F4E1-47C5-9CA5-30A81DDE2BE4}" type="datetimeFigureOut">
               <a:rPr lang="en-US" smtClean="0"/>
-              <a:t>8/8/2024</a:t>
+              <a:t>10/18/2024</a:t>
             </a:fld>
             <a:endParaRPr lang="en-US"/>
           </a:p>
@@ -1563,7 +1563,7 @@
           <a:p>
             <a:fld id="{FDE934FF-F4E1-47C5-9CA5-30A81DDE2BE4}" type="datetimeFigureOut">
               <a:rPr lang="en-US" smtClean="0"/>
-              <a:t>8/8/2024</a:t>
+              <a:t>10/18/2024</a:t>
             </a:fld>
             <a:endParaRPr lang="en-US"/>
           </a:p>
@@ -1653,7 +1653,7 @@
           <a:p>
             <a:fld id="{FDE934FF-F4E1-47C5-9CA5-30A81DDE2BE4}" type="datetimeFigureOut">
               <a:rPr lang="en-US" smtClean="0"/>
-              <a:t>8/8/2024</a:t>
+              <a:t>10/18/2024</a:t>
             </a:fld>
             <a:endParaRPr lang="en-US"/>
           </a:p>
@@ -1900,7 +1900,7 @@
           <a:p>
             <a:fld id="{FDE934FF-F4E1-47C5-9CA5-30A81DDE2BE4}" type="datetimeFigureOut">
               <a:rPr lang="en-US" smtClean="0"/>
-              <a:t>8/8/2024</a:t>
+              <a:t>10/18/2024</a:t>
             </a:fld>
             <a:endParaRPr lang="en-US"/>
           </a:p>
@@ -2073,7 +2073,7 @@
           <a:p>
             <a:fld id="{FDE934FF-F4E1-47C5-9CA5-30A81DDE2BE4}" type="datetimeFigureOut">
               <a:rPr lang="en-US" smtClean="0"/>
-              <a:t>8/8/2024</a:t>
+              <a:t>10/18/2024</a:t>
             </a:fld>
             <a:endParaRPr lang="en-US"/>
           </a:p>
@@ -2279,7 +2279,7 @@
           <a:p>
             <a:fld id="{FDE934FF-F4E1-47C5-9CA5-30A81DDE2BE4}" type="datetimeFigureOut">
               <a:rPr lang="en-US" smtClean="0"/>
-              <a:t>8/8/2024</a:t>
+              <a:t>10/18/2024</a:t>
             </a:fld>
             <a:endParaRPr lang="en-US"/>
           </a:p>
@@ -3245,7 +3245,7 @@
         </p:spPr>
         <p:txBody>
           <a:bodyPr>
-            <a:normAutofit fontScale="60000"/>
+            <a:normAutofit fontScale="67500" lnSpcReduction="10000"/>
           </a:bodyPr>
           <a:lstStyle/>
           <a:p>
@@ -3253,45 +3253,49 @@
               <a:buNone/>
             </a:pPr>
             <a:r>
-              <a:rPr lang="en-US" b="1"/>
+              <a:rPr lang="en-US" b="1" dirty="0"/>
               <a:t>Bootstrap's Default Settings</a:t>
             </a:r>
-            <a:endParaRPr lang="en-US"/>
-          </a:p>
-          <a:p>
-            <a:r>
-              <a:rPr lang="en-US"/>
+            <a:endParaRPr lang="en-US" dirty="0"/>
+          </a:p>
+          <a:p>
+            <a:r>
+              <a:rPr lang="en-US" dirty="0"/>
               <a:t>Bootstrap's global default font-size is 14px, with a line-height of 1.428.</a:t>
             </a:r>
           </a:p>
           <a:p>
             <a:r>
-              <a:rPr lang="en-US"/>
+              <a:rPr lang="en-US" dirty="0"/>
               <a:t>This is applied to the &lt;body&gt; element and all paragraphs (&lt;p&gt;).</a:t>
             </a:r>
           </a:p>
           <a:p>
             <a:r>
-              <a:rPr lang="en-US"/>
+              <a:rPr lang="en-US" dirty="0">
+                <a:highlight>
+                  <a:srgbClr val="00FFFF"/>
+                </a:highlight>
+              </a:rPr>
               <a:t>In addition, all &lt;p&gt; elements have a bottom margin that equals half their computed line-height (10px by default).</a:t>
             </a:r>
           </a:p>
           <a:p>
-            <a:endParaRPr lang="en-US"/>
-          </a:p>
-          <a:p>
-            <a:pPr marL="0" indent="0">
-              <a:buNone/>
-            </a:pPr>
-            <a:r>
-              <a:rPr lang="en-US" b="1"/>
+            <a:endParaRPr lang="en-US" dirty="0"/>
+          </a:p>
+          <a:p>
+            <a:pPr marL="0" indent="0">
+              <a:buNone/>
+            </a:pPr>
+            <a:r>
+              <a:rPr lang="en-US" b="1" dirty="0"/>
               <a:t>&lt;small&gt;</a:t>
             </a:r>
-            <a:endParaRPr lang="en-US"/>
-          </a:p>
-          <a:p>
-            <a:r>
-              <a:rPr lang="en-US"/>
+            <a:endParaRPr lang="en-US" dirty="0"/>
+          </a:p>
+          <a:p>
+            <a:r>
+              <a:rPr lang="en-US" dirty="0"/>
               <a:t>In Bootstrap the HTML &lt;small&gt; element is used to create a lighter, secondary text in any heading:</a:t>
             </a:r>
           </a:p>
@@ -3300,17 +3304,17 @@
               <a:buNone/>
             </a:pPr>
             <a:r>
-              <a:rPr lang="en-US" b="1"/>
+              <a:rPr lang="en-US" b="1" dirty="0"/>
               <a:t>Example</a:t>
             </a:r>
-            <a:endParaRPr lang="en-US"/>
-          </a:p>
-          <a:p>
-            <a:pPr marL="0" indent="0">
-              <a:buNone/>
-            </a:pPr>
-            <a:r>
-              <a:rPr lang="en-US"/>
+            <a:endParaRPr lang="en-US" dirty="0"/>
+          </a:p>
+          <a:p>
+            <a:pPr marL="0" indent="0">
+              <a:buNone/>
+            </a:pPr>
+            <a:r>
+              <a:rPr lang="en-US" dirty="0"/>
               <a:t>&lt;div class="container"&gt;</a:t>
             </a:r>
           </a:p>
@@ -3319,7 +3323,7 @@
               <a:buNone/>
             </a:pPr>
             <a:r>
-              <a:rPr lang="en-US"/>
+              <a:rPr lang="en-US" dirty="0"/>
               <a:t>  &lt;h1&gt;Lighter, Secondary Text&lt;/h1&gt;</a:t>
             </a:r>
           </a:p>
@@ -3328,7 +3332,7 @@
               <a:buNone/>
             </a:pPr>
             <a:r>
-              <a:rPr lang="en-US"/>
+              <a:rPr lang="en-US" dirty="0"/>
               <a:t>  &lt;p&gt;The small element is used to create a lighter, secondary text in any heading:&lt;/p&gt;       </a:t>
             </a:r>
           </a:p>
@@ -3337,7 +3341,7 @@
               <a:buNone/>
             </a:pPr>
             <a:r>
-              <a:rPr lang="en-US"/>
+              <a:rPr lang="en-US" dirty="0"/>
               <a:t>  &lt;h1&gt;h1 heading &lt;small&gt;secondary text&lt;/small&gt;&lt;/h1&gt;</a:t>
             </a:r>
           </a:p>
@@ -3346,7 +3350,7 @@
               <a:buNone/>
             </a:pPr>
             <a:r>
-              <a:rPr lang="en-US"/>
+              <a:rPr lang="en-US" dirty="0"/>
               <a:t>  &lt;h2&gt;h2 heading &lt;small&gt;secondary text&lt;/small&gt;&lt;/h2&gt;</a:t>
             </a:r>
           </a:p>
@@ -3355,7 +3359,7 @@
               <a:buNone/>
             </a:pPr>
             <a:r>
-              <a:rPr lang="en-US"/>
+              <a:rPr lang="en-US" dirty="0"/>
               <a:t>  &lt;/div&gt;</a:t>
             </a:r>
           </a:p>
@@ -8179,7 +8183,7 @@
           <a:lstStyle/>
           <a:p>
             <a:r>
-              <a:rPr lang="en-US"/>
+              <a:rPr lang="en-US" dirty="0"/>
               <a:t>Bootstrap Progress Bars</a:t>
             </a:r>
           </a:p>
@@ -8203,7 +8207,7 @@
         </p:spPr>
         <p:txBody>
           <a:bodyPr>
-            <a:normAutofit fontScale="60000"/>
+            <a:normAutofit fontScale="67500" lnSpcReduction="10000"/>
           </a:bodyPr>
           <a:lstStyle/>
           <a:p>
@@ -8211,26 +8215,26 @@
               <a:buNone/>
             </a:pPr>
             <a:r>
-              <a:rPr lang="en-US" b="1"/>
+              <a:rPr lang="en-US" b="1" dirty="0"/>
               <a:t>Basic Progress Bar</a:t>
             </a:r>
-            <a:endParaRPr lang="en-US"/>
-          </a:p>
-          <a:p>
-            <a:r>
-              <a:rPr lang="en-US"/>
+            <a:endParaRPr lang="en-US" dirty="0"/>
+          </a:p>
+          <a:p>
+            <a:r>
+              <a:rPr lang="en-US" dirty="0"/>
               <a:t>A progress bar can be used to show a user how far along he/she is in a process.</a:t>
             </a:r>
           </a:p>
           <a:p>
             <a:r>
-              <a:rPr lang="en-US"/>
+              <a:rPr lang="en-US" dirty="0"/>
               <a:t>Bootstrap provides several types of progress bars.</a:t>
             </a:r>
           </a:p>
           <a:p>
             <a:r>
-              <a:rPr lang="en-US"/>
+              <a:rPr lang="en-US" dirty="0"/>
               <a:t>To create a default progress bar, add a .progress class to a &lt;div&gt; element:</a:t>
             </a:r>
           </a:p>
@@ -8239,17 +8243,17 @@
               <a:buNone/>
             </a:pPr>
             <a:r>
-              <a:rPr lang="en-US" b="1"/>
+              <a:rPr lang="en-US" b="1" dirty="0"/>
               <a:t>Example</a:t>
             </a:r>
-            <a:endParaRPr lang="en-US"/>
-          </a:p>
-          <a:p>
-            <a:pPr marL="457200" lvl="1" indent="0">
-              <a:buNone/>
-            </a:pPr>
-            <a:r>
-              <a:rPr lang="en-US"/>
+            <a:endParaRPr lang="en-US" dirty="0"/>
+          </a:p>
+          <a:p>
+            <a:pPr marL="457200" lvl="1" indent="0">
+              <a:buNone/>
+            </a:pPr>
+            <a:r>
+              <a:rPr lang="en-US" dirty="0"/>
               <a:t>&lt;div class="progress"&gt;</a:t>
             </a:r>
           </a:p>
@@ -8258,34 +8262,114 @@
               <a:buNone/>
             </a:pPr>
             <a:r>
-              <a:rPr lang="en-US"/>
-              <a:t>  &lt;div class="progress-bar" role="progressbar" aria-valuenow="70"</a:t>
-            </a:r>
-          </a:p>
-          <a:p>
-            <a:pPr marL="457200" lvl="1" indent="0">
-              <a:buNone/>
-            </a:pPr>
-            <a:r>
-              <a:rPr lang="en-US"/>
-              <a:t>  aria-valuemin="0" aria-valuemax="100" style="width:70%"&gt;</a:t>
-            </a:r>
-          </a:p>
-          <a:p>
-            <a:pPr marL="457200" lvl="1" indent="0">
-              <a:buNone/>
-            </a:pPr>
-            <a:r>
-              <a:rPr lang="en-US"/>
-              <a:t>    &lt;span class="sr-only"&gt;70% Complete&lt;/span&gt;</a:t>
-            </a:r>
-          </a:p>
-          <a:p>
-            <a:pPr marL="457200" lvl="1" indent="0">
-              <a:buNone/>
-            </a:pPr>
-            <a:r>
-              <a:rPr lang="en-US"/>
+              <a:rPr lang="en-US" dirty="0">
+                <a:highlight>
+                  <a:srgbClr val="00FFFF"/>
+                </a:highlight>
+              </a:rPr>
+              <a:t>  &lt;div class="progress-bar" role="</a:t>
+            </a:r>
+            <a:r>
+              <a:rPr lang="en-US" dirty="0" err="1">
+                <a:highlight>
+                  <a:srgbClr val="00FFFF"/>
+                </a:highlight>
+              </a:rPr>
+              <a:t>progressbar</a:t>
+            </a:r>
+            <a:r>
+              <a:rPr lang="en-US" dirty="0">
+                <a:highlight>
+                  <a:srgbClr val="00FFFF"/>
+                </a:highlight>
+              </a:rPr>
+              <a:t>" aria-</a:t>
+            </a:r>
+            <a:r>
+              <a:rPr lang="en-US" dirty="0" err="1">
+                <a:highlight>
+                  <a:srgbClr val="00FFFF"/>
+                </a:highlight>
+              </a:rPr>
+              <a:t>valuenow</a:t>
+            </a:r>
+            <a:r>
+              <a:rPr lang="en-US" dirty="0">
+                <a:highlight>
+                  <a:srgbClr val="00FFFF"/>
+                </a:highlight>
+              </a:rPr>
+              <a:t>="70"</a:t>
+            </a:r>
+          </a:p>
+          <a:p>
+            <a:pPr marL="457200" lvl="1" indent="0">
+              <a:buNone/>
+            </a:pPr>
+            <a:r>
+              <a:rPr lang="en-US" dirty="0">
+                <a:highlight>
+                  <a:srgbClr val="00FFFF"/>
+                </a:highlight>
+              </a:rPr>
+              <a:t>  aria-</a:t>
+            </a:r>
+            <a:r>
+              <a:rPr lang="en-US" dirty="0" err="1">
+                <a:highlight>
+                  <a:srgbClr val="00FFFF"/>
+                </a:highlight>
+              </a:rPr>
+              <a:t>valuemin</a:t>
+            </a:r>
+            <a:r>
+              <a:rPr lang="en-US" dirty="0">
+                <a:highlight>
+                  <a:srgbClr val="00FFFF"/>
+                </a:highlight>
+              </a:rPr>
+              <a:t>="0" aria-</a:t>
+            </a:r>
+            <a:r>
+              <a:rPr lang="en-US" dirty="0" err="1">
+                <a:highlight>
+                  <a:srgbClr val="00FFFF"/>
+                </a:highlight>
+              </a:rPr>
+              <a:t>valuemax</a:t>
+            </a:r>
+            <a:r>
+              <a:rPr lang="en-US" dirty="0">
+                <a:highlight>
+                  <a:srgbClr val="00FFFF"/>
+                </a:highlight>
+              </a:rPr>
+              <a:t>="100" style="width:70%"&gt;</a:t>
+            </a:r>
+          </a:p>
+          <a:p>
+            <a:pPr marL="457200" lvl="1" indent="0">
+              <a:buNone/>
+            </a:pPr>
+            <a:r>
+              <a:rPr lang="en-US" dirty="0"/>
+              <a:t>    &lt;span class="</a:t>
+            </a:r>
+            <a:r>
+              <a:rPr lang="en-US" dirty="0" err="1"/>
+              <a:t>sr</a:t>
+            </a:r>
+            <a:r>
+              <a:rPr lang="en-US" dirty="0"/>
+              <a:t>-only"&gt;70% Complete&lt;/span&gt;</a:t>
+            </a:r>
+          </a:p>
+          <a:p>
+            <a:pPr marL="457200" lvl="1" indent="0">
+              <a:buNone/>
+            </a:pPr>
+            <a:r>
+              <a:rPr lang="en-US" dirty="0"/>
               <a:t>  &lt;/div&gt;</a:t>
             </a:r>
           </a:p>
@@ -8294,32 +8378,32 @@
               <a:buNone/>
             </a:pPr>
             <a:r>
-              <a:rPr lang="en-US"/>
+              <a:rPr lang="en-US" dirty="0"/>
               <a:t>&lt;/div&gt; </a:t>
             </a:r>
           </a:p>
           <a:p>
             <a:r>
-              <a:rPr lang="en-US" b="1"/>
+              <a:rPr lang="en-US" b="1" dirty="0"/>
               <a:t>Note</a:t>
             </a:r>
             <a:r>
-              <a:rPr lang="en-US"/>
+              <a:rPr lang="en-US" dirty="0"/>
               <a:t>: Progress bars are not supported in Internet Explorer 9 and earlier (because they use CSS3 transitions and animations to achieve some of their effects).</a:t>
             </a:r>
           </a:p>
           <a:p>
             <a:r>
-              <a:rPr lang="en-US" b="1"/>
+              <a:rPr lang="en-US" b="1" dirty="0"/>
               <a:t>Note</a:t>
             </a:r>
             <a:r>
-              <a:rPr lang="en-US"/>
+              <a:rPr lang="en-US" dirty="0"/>
               <a:t>: To help improve accessibility for people using screen readers, you should include the aria-* attributes.</a:t>
             </a:r>
           </a:p>
           <a:p>
-            <a:endParaRPr lang="en-US"/>
+            <a:endParaRPr lang="en-US" dirty="0"/>
           </a:p>
         </p:txBody>
       </p:sp>
@@ -11466,7 +11550,7 @@
           <a:lstStyle/>
           <a:p>
             <a:r>
-              <a:rPr lang="en-US" sz="1400"/>
+              <a:rPr lang="en-US" sz="1400" dirty="0"/>
               <a:t>A dropdown menu is a toggleable menu that allows the user to choose one value from a predefined list:</a:t>
             </a:r>
           </a:p>
@@ -11475,17 +11559,25 @@
               <a:buNone/>
             </a:pPr>
             <a:r>
-              <a:rPr lang="en-US" sz="1400" b="1"/>
+              <a:rPr lang="en-US" sz="1400" b="1" dirty="0"/>
               <a:t>Example</a:t>
             </a:r>
-            <a:endParaRPr lang="en-US" sz="1400"/>
-          </a:p>
-          <a:p>
-            <a:pPr marL="457200" lvl="1" indent="0">
-              <a:buNone/>
-            </a:pPr>
-            <a:r>
-              <a:rPr lang="en-US" sz="1400"/>
+            <a:endParaRPr lang="en-US" sz="1400" dirty="0">
+              <a:highlight>
+                <a:srgbClr val="00FFFF"/>
+              </a:highlight>
+            </a:endParaRPr>
+          </a:p>
+          <a:p>
+            <a:pPr marL="457200" lvl="1" indent="0">
+              <a:buNone/>
+            </a:pPr>
+            <a:r>
+              <a:rPr lang="en-US" sz="1400" dirty="0">
+                <a:highlight>
+                  <a:srgbClr val="00FFFF"/>
+                </a:highlight>
+              </a:rPr>
               <a:t>&lt;div class="dropdown"&gt;</a:t>
             </a:r>
           </a:p>
@@ -11494,16 +11586,56 @@
               <a:buNone/>
             </a:pPr>
             <a:r>
-              <a:rPr lang="en-US" sz="1400"/>
-              <a:t>  &lt;button class="btn btn-primary dropdown-toggle" type="button" data-toggle="dropdown"&gt;Dropdown Example</a:t>
-            </a:r>
-          </a:p>
-          <a:p>
-            <a:pPr marL="457200" lvl="1" indent="0">
-              <a:buNone/>
-            </a:pPr>
-            <a:r>
-              <a:rPr lang="en-US" sz="1400"/>
+              <a:rPr lang="en-US" sz="1400" dirty="0">
+                <a:highlight>
+                  <a:srgbClr val="00FFFF"/>
+                </a:highlight>
+              </a:rPr>
+              <a:t>  &lt;button class="</a:t>
+            </a:r>
+            <a:r>
+              <a:rPr lang="en-US" sz="1400" dirty="0" err="1">
+                <a:highlight>
+                  <a:srgbClr val="00FFFF"/>
+                </a:highlight>
+              </a:rPr>
+              <a:t>btn</a:t>
+            </a:r>
+            <a:r>
+              <a:rPr lang="en-US" sz="1400" dirty="0">
+                <a:highlight>
+                  <a:srgbClr val="00FFFF"/>
+                </a:highlight>
+              </a:rPr>
+              <a:t> </a:t>
+            </a:r>
+            <a:r>
+              <a:rPr lang="en-US" sz="1400" dirty="0" err="1">
+                <a:highlight>
+                  <a:srgbClr val="00FFFF"/>
+                </a:highlight>
+              </a:rPr>
+              <a:t>btn</a:t>
+            </a:r>
+            <a:r>
+              <a:rPr lang="en-US" sz="1400" dirty="0">
+                <a:highlight>
+                  <a:srgbClr val="00FFFF"/>
+                </a:highlight>
+              </a:rPr>
+              <a:t>-primary dropdown-toggle" type="button" data-toggle="dropdown"&gt;Dropdown Example</a:t>
+            </a:r>
+          </a:p>
+          <a:p>
+            <a:pPr marL="457200" lvl="1" indent="0">
+              <a:buNone/>
+            </a:pPr>
+            <a:r>
+              <a:rPr lang="en-US" sz="1400" dirty="0">
+                <a:highlight>
+                  <a:srgbClr val="00FFFF"/>
+                </a:highlight>
+              </a:rPr>
               <a:t>  &lt;span class="caret"&gt;&lt;/span&gt;&lt;/button&gt;</a:t>
             </a:r>
           </a:p>
@@ -11512,92 +11644,204 @@
               <a:buNone/>
             </a:pPr>
             <a:r>
-              <a:rPr lang="en-US" sz="1400"/>
-              <a:t>  &lt;ul class="dropdown-menu"&gt;</a:t>
-            </a:r>
-          </a:p>
-          <a:p>
-            <a:pPr marL="457200" lvl="1" indent="0">
-              <a:buNone/>
-            </a:pPr>
-            <a:r>
-              <a:rPr lang="en-US" sz="1400"/>
-              <a:t>    &lt;li&gt;&lt;a href="#"&gt;HTML&lt;/a&gt;&lt;/li&gt;</a:t>
-            </a:r>
-          </a:p>
-          <a:p>
-            <a:pPr marL="457200" lvl="1" indent="0">
-              <a:buNone/>
-            </a:pPr>
-            <a:r>
-              <a:rPr lang="en-US" sz="1400"/>
-              <a:t>    &lt;li&gt;&lt;a href="#"&gt;CSS&lt;/a&gt;&lt;/li&gt;</a:t>
-            </a:r>
-          </a:p>
-          <a:p>
-            <a:pPr marL="457200" lvl="1" indent="0">
-              <a:buNone/>
-            </a:pPr>
-            <a:r>
-              <a:rPr lang="en-US" sz="1400"/>
-              <a:t>    &lt;li&gt;&lt;a href="#"&gt;JavaScript&lt;/a&gt;&lt;/li&gt;</a:t>
-            </a:r>
-          </a:p>
-          <a:p>
-            <a:pPr marL="457200" lvl="1" indent="0">
-              <a:buNone/>
-            </a:pPr>
-            <a:r>
-              <a:rPr lang="en-US" sz="1400"/>
-              <a:t>  &lt;/ul&gt;</a:t>
-            </a:r>
-          </a:p>
-          <a:p>
-            <a:pPr marL="457200" lvl="1" indent="0">
-              <a:buNone/>
-            </a:pPr>
-            <a:r>
-              <a:rPr lang="en-US" sz="1400"/>
+              <a:rPr lang="en-US" sz="1400" dirty="0">
+                <a:highlight>
+                  <a:srgbClr val="00FFFF"/>
+                </a:highlight>
+              </a:rPr>
+              <a:t>  &lt;</a:t>
+            </a:r>
+            <a:r>
+              <a:rPr lang="en-US" sz="1400" dirty="0" err="1">
+                <a:highlight>
+                  <a:srgbClr val="00FFFF"/>
+                </a:highlight>
+              </a:rPr>
+              <a:t>ul</a:t>
+            </a:r>
+            <a:r>
+              <a:rPr lang="en-US" sz="1400" dirty="0">
+                <a:highlight>
+                  <a:srgbClr val="00FFFF"/>
+                </a:highlight>
+              </a:rPr>
+              <a:t> class="dropdown-menu"&gt;</a:t>
+            </a:r>
+          </a:p>
+          <a:p>
+            <a:pPr marL="457200" lvl="1" indent="0">
+              <a:buNone/>
+            </a:pPr>
+            <a:r>
+              <a:rPr lang="en-US" sz="1400" dirty="0">
+                <a:highlight>
+                  <a:srgbClr val="00FFFF"/>
+                </a:highlight>
+              </a:rPr>
+              <a:t>    &lt;li&gt;&lt;a </a:t>
+            </a:r>
+            <a:r>
+              <a:rPr lang="en-US" sz="1400" dirty="0" err="1">
+                <a:highlight>
+                  <a:srgbClr val="00FFFF"/>
+                </a:highlight>
+              </a:rPr>
+              <a:t>href</a:t>
+            </a:r>
+            <a:r>
+              <a:rPr lang="en-US" sz="1400" dirty="0">
+                <a:highlight>
+                  <a:srgbClr val="00FFFF"/>
+                </a:highlight>
+              </a:rPr>
+              <a:t>="#"&gt;HTML&lt;/a&gt;&lt;/li&gt;</a:t>
+            </a:r>
+          </a:p>
+          <a:p>
+            <a:pPr marL="457200" lvl="1" indent="0">
+              <a:buNone/>
+            </a:pPr>
+            <a:r>
+              <a:rPr lang="en-US" sz="1400" dirty="0">
+                <a:highlight>
+                  <a:srgbClr val="00FFFF"/>
+                </a:highlight>
+              </a:rPr>
+              <a:t>    &lt;li&gt;&lt;a </a:t>
+            </a:r>
+            <a:r>
+              <a:rPr lang="en-US" sz="1400" dirty="0" err="1">
+                <a:highlight>
+                  <a:srgbClr val="00FFFF"/>
+                </a:highlight>
+              </a:rPr>
+              <a:t>href</a:t>
+            </a:r>
+            <a:r>
+              <a:rPr lang="en-US" sz="1400" dirty="0">
+                <a:highlight>
+                  <a:srgbClr val="00FFFF"/>
+                </a:highlight>
+              </a:rPr>
+              <a:t>="#"&gt;CSS&lt;/a&gt;&lt;/li&gt;</a:t>
+            </a:r>
+          </a:p>
+          <a:p>
+            <a:pPr marL="457200" lvl="1" indent="0">
+              <a:buNone/>
+            </a:pPr>
+            <a:r>
+              <a:rPr lang="en-US" sz="1400" dirty="0">
+                <a:highlight>
+                  <a:srgbClr val="00FFFF"/>
+                </a:highlight>
+              </a:rPr>
+              <a:t>    &lt;li&gt;&lt;a </a:t>
+            </a:r>
+            <a:r>
+              <a:rPr lang="en-US" sz="1400" dirty="0" err="1">
+                <a:highlight>
+                  <a:srgbClr val="00FFFF"/>
+                </a:highlight>
+              </a:rPr>
+              <a:t>href</a:t>
+            </a:r>
+            <a:r>
+              <a:rPr lang="en-US" sz="1400" dirty="0">
+                <a:highlight>
+                  <a:srgbClr val="00FFFF"/>
+                </a:highlight>
+              </a:rPr>
+              <a:t>="#"&gt;JavaScript&lt;/a&gt;&lt;/li&gt;</a:t>
+            </a:r>
+          </a:p>
+          <a:p>
+            <a:pPr marL="457200" lvl="1" indent="0">
+              <a:buNone/>
+            </a:pPr>
+            <a:r>
+              <a:rPr lang="en-US" sz="1400" dirty="0">
+                <a:highlight>
+                  <a:srgbClr val="00FFFF"/>
+                </a:highlight>
+              </a:rPr>
+              <a:t>  &lt;/</a:t>
+            </a:r>
+            <a:r>
+              <a:rPr lang="en-US" sz="1400" dirty="0" err="1">
+                <a:highlight>
+                  <a:srgbClr val="00FFFF"/>
+                </a:highlight>
+              </a:rPr>
+              <a:t>ul</a:t>
+            </a:r>
+            <a:r>
+              <a:rPr lang="en-US" sz="1400" dirty="0">
+                <a:highlight>
+                  <a:srgbClr val="00FFFF"/>
+                </a:highlight>
+              </a:rPr>
+              <a:t>&gt;</a:t>
+            </a:r>
+          </a:p>
+          <a:p>
+            <a:pPr marL="457200" lvl="1" indent="0">
+              <a:buNone/>
+            </a:pPr>
+            <a:r>
+              <a:rPr lang="en-US" sz="1400" dirty="0">
+                <a:highlight>
+                  <a:srgbClr val="00FFFF"/>
+                </a:highlight>
+              </a:rPr>
               <a:t>&lt;/div&gt; </a:t>
             </a:r>
           </a:p>
           <a:p>
             <a:r>
-              <a:rPr lang="en-US" sz="1400"/>
+              <a:rPr lang="en-US" sz="1400" dirty="0"/>
               <a:t>The .dropdown class indicates a dropdown menu.</a:t>
             </a:r>
           </a:p>
           <a:p>
             <a:r>
-              <a:rPr lang="en-US" sz="1400"/>
+              <a:rPr lang="en-US" sz="1400" dirty="0"/>
               <a:t>To open the dropdown menu, use a button or a link with a class of .dropdown-toggle and the data-toggle="dropdown" attribute.</a:t>
             </a:r>
           </a:p>
           <a:p>
             <a:r>
-              <a:rPr lang="en-US" sz="1400"/>
+              <a:rPr lang="en-US" sz="1400" dirty="0"/>
               <a:t>The .caret class creates a caret arrow icon (   ), which indicates that the button is a dropdown.</a:t>
             </a:r>
           </a:p>
           <a:p>
             <a:r>
-              <a:rPr lang="en-US" sz="1400"/>
-              <a:t>Add the .dropdown-menu class to a &lt;ul&gt; element to actually build the dropdown menu.</a:t>
-            </a:r>
-          </a:p>
-          <a:p>
-            <a:pPr marL="0" indent="0">
-              <a:buNone/>
-            </a:pPr>
-            <a:r>
-              <a:rPr lang="en-US" sz="1400" b="1"/>
+              <a:rPr lang="en-US" sz="1400" dirty="0"/>
+              <a:t>Add the .dropdown-menu class to a &lt;</a:t>
+            </a:r>
+            <a:r>
+              <a:rPr lang="en-US" sz="1400" dirty="0" err="1"/>
+              <a:t>ul</a:t>
+            </a:r>
+            <a:r>
+              <a:rPr lang="en-US" sz="1400" dirty="0"/>
+              <a:t>&gt; element to actually build the dropdown menu.</a:t>
+            </a:r>
+          </a:p>
+          <a:p>
+            <a:pPr marL="0" indent="0">
+              <a:buNone/>
+            </a:pPr>
+            <a:r>
+              <a:rPr lang="en-US" sz="1400" b="1" dirty="0"/>
               <a:t>Dropdown Divider</a:t>
             </a:r>
-            <a:endParaRPr lang="en-US" sz="1400"/>
-          </a:p>
-          <a:p>
-            <a:r>
-              <a:rPr lang="en-US" sz="1400"/>
+            <a:endParaRPr lang="en-US" sz="1400" dirty="0"/>
+          </a:p>
+          <a:p>
+            <a:r>
+              <a:rPr lang="en-US" sz="1400" dirty="0"/>
               <a:t>The .divider class is used to separate links inside the dropdown menu with a thin horizontal border:</a:t>
             </a:r>
           </a:p>
@@ -11606,17 +11850,17 @@
               <a:buNone/>
             </a:pPr>
             <a:r>
-              <a:rPr lang="en-US" sz="1400" b="1"/>
+              <a:rPr lang="en-US" sz="1400" b="1" dirty="0"/>
               <a:t>Example</a:t>
             </a:r>
-            <a:endParaRPr lang="en-US" sz="1400"/>
-          </a:p>
-          <a:p>
-            <a:pPr marL="457200" lvl="1" indent="0">
-              <a:buNone/>
-            </a:pPr>
-            <a:r>
-              <a:rPr lang="en-US" sz="1400"/>
+            <a:endParaRPr lang="en-US" sz="1400" dirty="0"/>
+          </a:p>
+          <a:p>
+            <a:pPr marL="457200" lvl="1" indent="0">
+              <a:buNone/>
+            </a:pPr>
+            <a:r>
+              <a:rPr lang="en-US" sz="1400" dirty="0"/>
               <a:t>&lt;li class="divider"&gt;&lt;/li&gt; </a:t>
             </a:r>
           </a:p>
@@ -11937,31 +12181,35 @@
         </p:spPr>
         <p:txBody>
           <a:bodyPr>
-            <a:normAutofit fontScale="50000"/>
+            <a:normAutofit fontScale="57500" lnSpcReduction="10000"/>
           </a:bodyPr>
           <a:lstStyle/>
           <a:p>
             <a:r>
-              <a:rPr lang="en-US"/>
-              <a:t>Collapsibles are useful when you want to hide and show large amount of content</a:t>
-            </a:r>
-          </a:p>
-          <a:p>
-            <a:pPr marL="0" indent="0">
-              <a:buNone/>
-            </a:pPr>
-            <a:r>
-              <a:rPr lang="en-US" b="1"/>
+              <a:rPr lang="en-US" dirty="0" err="1"/>
+              <a:t>Collapsibles</a:t>
+            </a:r>
+            <a:r>
+              <a:rPr lang="en-US" dirty="0"/>
+              <a:t> are useful when you want to hide and show large amount of content</a:t>
+            </a:r>
+          </a:p>
+          <a:p>
+            <a:pPr marL="0" indent="0">
+              <a:buNone/>
+            </a:pPr>
+            <a:r>
+              <a:rPr lang="en-US" b="1" dirty="0"/>
               <a:t>Example</a:t>
             </a:r>
-            <a:endParaRPr lang="en-US"/>
-          </a:p>
-          <a:p>
-            <a:pPr marL="457200" lvl="1" indent="0">
-              <a:buNone/>
-            </a:pPr>
-            <a:r>
-              <a:rPr lang="en-US"/>
+            <a:endParaRPr lang="en-US" dirty="0"/>
+          </a:p>
+          <a:p>
+            <a:pPr marL="457200" lvl="1" indent="0">
+              <a:buNone/>
+            </a:pPr>
+            <a:r>
+              <a:rPr lang="en-US" dirty="0"/>
               <a:t>&lt;button data-toggle="collapse" data-target="#demo"&gt;Collapsible&lt;/button&gt;</a:t>
             </a:r>
           </a:p>
@@ -11970,7 +12218,7 @@
               <a:buNone/>
             </a:pPr>
             <a:r>
-              <a:rPr lang="en-US"/>
+              <a:rPr lang="en-US" dirty="0"/>
               <a:t>&lt;div id="demo" class="collapse"&gt;</a:t>
             </a:r>
           </a:p>
@@ -11979,7 +12227,7 @@
               <a:buNone/>
             </a:pPr>
             <a:r>
-              <a:rPr lang="en-US"/>
+              <a:rPr lang="en-US" dirty="0"/>
               <a:t>Lorem ipsum dolor text....</a:t>
             </a:r>
           </a:p>
@@ -11988,57 +12236,73 @@
               <a:buNone/>
             </a:pPr>
             <a:r>
-              <a:rPr lang="en-US"/>
+              <a:rPr lang="en-US" dirty="0"/>
               <a:t>&lt;/div&gt; </a:t>
             </a:r>
           </a:p>
           <a:p>
             <a:r>
-              <a:rPr lang="en-US"/>
+              <a:rPr lang="en-US" dirty="0"/>
               <a:t>The .collapse class indicates a collapsible element (a &lt;div&gt; in our example); this is the content that will be shown or hidden with a click of a button.</a:t>
             </a:r>
           </a:p>
           <a:p>
             <a:r>
-              <a:rPr lang="en-US"/>
+              <a:rPr lang="en-US" dirty="0"/>
               <a:t>To control (show/hide) the collapsible content, add the data-toggle="collapse" attribute to an &lt;a&gt; or a &lt;button&gt; element. Then add the data-target="#id" attribute to connect the button with the collapsible content (&lt;div id="demo"&gt;).</a:t>
             </a:r>
           </a:p>
           <a:p>
             <a:r>
-              <a:rPr lang="en-US" b="1"/>
+              <a:rPr lang="en-US" b="1" dirty="0"/>
               <a:t>Note</a:t>
             </a:r>
             <a:r>
-              <a:rPr lang="en-US"/>
-              <a:t>: For &lt;a&gt; elements, you can use the href attribute instead of the data-target attribute</a:t>
-            </a:r>
-          </a:p>
-          <a:p>
-            <a:pPr marL="0" indent="0">
-              <a:buNone/>
-            </a:pPr>
-            <a:r>
-              <a:rPr lang="en-US" b="1"/>
+              <a:rPr lang="en-US" dirty="0"/>
+              <a:t>: For &lt;a&gt; elements, you can use the </a:t>
+            </a:r>
+            <a:r>
+              <a:rPr lang="en-US" dirty="0" err="1"/>
+              <a:t>href</a:t>
+            </a:r>
+            <a:r>
+              <a:rPr lang="en-US" dirty="0"/>
+              <a:t> attribute instead of the data-target attribute</a:t>
+            </a:r>
+          </a:p>
+          <a:p>
+            <a:pPr marL="0" indent="0">
+              <a:buNone/>
+            </a:pPr>
+            <a:r>
+              <a:rPr lang="en-US" b="1" dirty="0"/>
               <a:t>Example</a:t>
             </a:r>
-            <a:endParaRPr lang="en-US"/>
-          </a:p>
-          <a:p>
-            <a:pPr marL="457200" lvl="1" indent="0">
-              <a:buNone/>
-            </a:pPr>
-            <a:r>
-              <a:rPr lang="en-US"/>
-              <a:t>&lt;a href="#demo" data-toggle="collapse"&gt;Collapsible&lt;/a&gt;</a:t>
-            </a:r>
-          </a:p>
-          <a:p>
-            <a:pPr marL="457200" lvl="1" indent="0">
-              <a:buNone/>
-            </a:pPr>
-            <a:r>
-              <a:rPr lang="en-US"/>
+            <a:endParaRPr lang="en-US" dirty="0"/>
+          </a:p>
+          <a:p>
+            <a:pPr marL="457200" lvl="1" indent="0">
+              <a:buNone/>
+            </a:pPr>
+            <a:r>
+              <a:rPr lang="en-US" dirty="0"/>
+              <a:t>&lt;a </a:t>
+            </a:r>
+            <a:r>
+              <a:rPr lang="en-US" dirty="0" err="1"/>
+              <a:t>href</a:t>
+            </a:r>
+            <a:r>
+              <a:rPr lang="en-US" dirty="0"/>
+              <a:t>="#demo" data-toggle="collapse"&gt;Collapsible&lt;/a&gt;</a:t>
+            </a:r>
+          </a:p>
+          <a:p>
+            <a:pPr marL="457200" lvl="1" indent="0">
+              <a:buNone/>
+            </a:pPr>
+            <a:r>
+              <a:rPr lang="en-US" dirty="0"/>
               <a:t>&lt;div id="demo" class="collapse"&gt;</a:t>
             </a:r>
           </a:p>
@@ -12047,7 +12311,7 @@
               <a:buNone/>
             </a:pPr>
             <a:r>
-              <a:rPr lang="en-US"/>
+              <a:rPr lang="en-US" dirty="0"/>
               <a:t>Lorem ipsum dolor text....</a:t>
             </a:r>
           </a:p>
@@ -12056,13 +12320,17 @@
               <a:buNone/>
             </a:pPr>
             <a:r>
-              <a:rPr lang="en-US"/>
+              <a:rPr lang="en-US" dirty="0"/>
               <a:t>&lt;/div&gt; </a:t>
             </a:r>
           </a:p>
           <a:p>
             <a:r>
-              <a:rPr lang="en-US"/>
+              <a:rPr lang="en-US" dirty="0">
+                <a:highlight>
+                  <a:srgbClr val="00FFFF"/>
+                </a:highlight>
+              </a:rPr>
               <a:t>By default, the collapsible content is hidden. However, you can add the .in class to show the content by default:</a:t>
             </a:r>
           </a:p>
@@ -12071,17 +12339,17 @@
               <a:buNone/>
             </a:pPr>
             <a:r>
-              <a:rPr lang="en-US" b="1"/>
+              <a:rPr lang="en-US" b="1" dirty="0"/>
               <a:t>Example</a:t>
             </a:r>
-            <a:endParaRPr lang="en-US"/>
-          </a:p>
-          <a:p>
-            <a:pPr marL="457200" lvl="1" indent="0">
-              <a:buNone/>
-            </a:pPr>
-            <a:r>
-              <a:rPr lang="en-US"/>
+            <a:endParaRPr lang="en-US" dirty="0"/>
+          </a:p>
+          <a:p>
+            <a:pPr marL="457200" lvl="1" indent="0">
+              <a:buNone/>
+            </a:pPr>
+            <a:r>
+              <a:rPr lang="en-US" dirty="0"/>
               <a:t>&lt;div id="demo" class="collapse in"&gt;</a:t>
             </a:r>
           </a:p>
@@ -12090,7 +12358,7 @@
               <a:buNone/>
             </a:pPr>
             <a:r>
-              <a:rPr lang="en-US"/>
+              <a:rPr lang="en-US" dirty="0"/>
               <a:t>Lorem ipsum dolor text....</a:t>
             </a:r>
           </a:p>
@@ -12099,7 +12367,7 @@
               <a:buNone/>
             </a:pPr>
             <a:r>
-              <a:rPr lang="en-US"/>
+              <a:rPr lang="en-US" dirty="0"/>
               <a:t>&lt;/div&gt; </a:t>
             </a:r>
           </a:p>
@@ -12345,7 +12613,7 @@
         </p:spPr>
         <p:txBody>
           <a:bodyPr>
-            <a:normAutofit fontScale="65000"/>
+            <a:normAutofit fontScale="72500" lnSpcReduction="10000"/>
           </a:bodyPr>
           <a:lstStyle/>
           <a:p>
@@ -12353,14 +12621,14 @@
               <a:buNone/>
             </a:pPr>
             <a:r>
-              <a:rPr lang="en-US" b="1"/>
+              <a:rPr lang="en-US" b="1" dirty="0"/>
               <a:t>Collapsible List Group</a:t>
             </a:r>
-            <a:endParaRPr lang="en-US"/>
-          </a:p>
-          <a:p>
-            <a:r>
-              <a:rPr lang="en-US"/>
+            <a:endParaRPr lang="en-US" dirty="0"/>
+          </a:p>
+          <a:p>
+            <a:r>
+              <a:rPr lang="en-US" dirty="0"/>
               <a:t>The following shows a collapsible panel with a list group inside:</a:t>
             </a:r>
           </a:p>
@@ -12369,17 +12637,21 @@
               <a:buNone/>
             </a:pPr>
             <a:r>
-              <a:rPr lang="en-US" b="1"/>
+              <a:rPr lang="en-US" b="1" dirty="0"/>
               <a:t>Example</a:t>
             </a:r>
-            <a:endParaRPr lang="en-US"/>
-          </a:p>
-          <a:p>
-            <a:pPr marL="457200" lvl="1" indent="0">
-              <a:buNone/>
-            </a:pPr>
-            <a:r>
-              <a:rPr lang="en-US"/>
+            <a:endParaRPr lang="en-US" dirty="0"/>
+          </a:p>
+          <a:p>
+            <a:pPr marL="457200" lvl="1" indent="0">
+              <a:buNone/>
+            </a:pPr>
+            <a:r>
+              <a:rPr lang="en-US" dirty="0">
+                <a:highlight>
+                  <a:srgbClr val="00FFFF"/>
+                </a:highlight>
+              </a:rPr>
               <a:t>&lt;div class="panel-group"&gt;</a:t>
             </a:r>
           </a:p>
@@ -12388,7 +12660,11 @@
               <a:buNone/>
             </a:pPr>
             <a:r>
-              <a:rPr lang="en-US"/>
+              <a:rPr lang="en-US" dirty="0">
+                <a:highlight>
+                  <a:srgbClr val="00FFFF"/>
+                </a:highlight>
+              </a:rPr>
               <a:t>  &lt;div class="panel panel-default"&gt;</a:t>
             </a:r>
           </a:p>
@@ -12397,7 +12673,11 @@
               <a:buNone/>
             </a:pPr>
             <a:r>
-              <a:rPr lang="en-US"/>
+              <a:rPr lang="en-US" dirty="0">
+                <a:highlight>
+                  <a:srgbClr val="00FFFF"/>
+                </a:highlight>
+              </a:rPr>
               <a:t>    &lt;div class="panel-heading"&gt;</a:t>
             </a:r>
           </a:p>
@@ -12406,7 +12686,11 @@
               <a:buNone/>
             </a:pPr>
             <a:r>
-              <a:rPr lang="en-US"/>
+              <a:rPr lang="en-US" dirty="0">
+                <a:highlight>
+                  <a:srgbClr val="00FFFF"/>
+                </a:highlight>
+              </a:rPr>
               <a:t>      &lt;h4 class="panel-title"&gt;</a:t>
             </a:r>
           </a:p>
@@ -12415,16 +12699,40 @@
               <a:buNone/>
             </a:pPr>
             <a:r>
-              <a:rPr lang="en-US"/>
-              <a:t>        &lt;a data-toggle="collapse" href="#collapse1"&gt;Collapsible list group&lt;/a&gt;</a:t>
-            </a:r>
-          </a:p>
-          <a:p>
-            <a:pPr marL="457200" lvl="1" indent="0">
-              <a:buNone/>
-            </a:pPr>
-            <a:r>
-              <a:rPr lang="en-US"/>
+              <a:rPr lang="en-US" dirty="0">
+                <a:highlight>
+                  <a:srgbClr val="00FFFF"/>
+                </a:highlight>
+              </a:rPr>
+              <a:t>        &lt;a data-toggle="collapse" </a:t>
+            </a:r>
+            <a:r>
+              <a:rPr lang="en-US" dirty="0" err="1">
+                <a:highlight>
+                  <a:srgbClr val="00FFFF"/>
+                </a:highlight>
+              </a:rPr>
+              <a:t>href</a:t>
+            </a:r>
+            <a:r>
+              <a:rPr lang="en-US" dirty="0">
+                <a:highlight>
+                  <a:srgbClr val="00FFFF"/>
+                </a:highlight>
+              </a:rPr>
+              <a:t>="#collapse1"&gt;Collapsible list group&lt;/a&gt;</a:t>
+            </a:r>
+          </a:p>
+          <a:p>
+            <a:pPr marL="457200" lvl="1" indent="0">
+              <a:buNone/>
+            </a:pPr>
+            <a:r>
+              <a:rPr lang="en-US" dirty="0">
+                <a:highlight>
+                  <a:srgbClr val="00FFFF"/>
+                </a:highlight>
+              </a:rPr>
               <a:t>      &lt;/h4&gt;</a:t>
             </a:r>
           </a:p>
@@ -12433,7 +12741,11 @@
               <a:buNone/>
             </a:pPr>
             <a:r>
-              <a:rPr lang="en-US"/>
+              <a:rPr lang="en-US" dirty="0">
+                <a:highlight>
+                  <a:srgbClr val="00FFFF"/>
+                </a:highlight>
+              </a:rPr>
               <a:t>    &lt;/div&gt;</a:t>
             </a:r>
           </a:p>
@@ -12442,7 +12754,11 @@
               <a:buNone/>
             </a:pPr>
             <a:r>
-              <a:rPr lang="en-US"/>
+              <a:rPr lang="en-US" dirty="0">
+                <a:highlight>
+                  <a:srgbClr val="00FFFF"/>
+                </a:highlight>
+              </a:rPr>
               <a:t>    &lt;div id="collapse1" class="panel-collapse collapse"&gt;</a:t>
             </a:r>
           </a:p>
@@ -12451,16 +12767,40 @@
               <a:buNone/>
             </a:pPr>
             <a:r>
-              <a:rPr lang="en-US"/>
-              <a:t>      &lt;ul class="list-group"&gt;</a:t>
-            </a:r>
-          </a:p>
-          <a:p>
-            <a:pPr marL="457200" lvl="1" indent="0">
-              <a:buNone/>
-            </a:pPr>
-            <a:r>
-              <a:rPr lang="en-US"/>
+              <a:rPr lang="en-US" dirty="0">
+                <a:highlight>
+                  <a:srgbClr val="00FFFF"/>
+                </a:highlight>
+              </a:rPr>
+              <a:t>      &lt;</a:t>
+            </a:r>
+            <a:r>
+              <a:rPr lang="en-US" dirty="0" err="1">
+                <a:highlight>
+                  <a:srgbClr val="00FFFF"/>
+                </a:highlight>
+              </a:rPr>
+              <a:t>ul</a:t>
+            </a:r>
+            <a:r>
+              <a:rPr lang="en-US" dirty="0">
+                <a:highlight>
+                  <a:srgbClr val="00FFFF"/>
+                </a:highlight>
+              </a:rPr>
+              <a:t> class="list-group"&gt;</a:t>
+            </a:r>
+          </a:p>
+          <a:p>
+            <a:pPr marL="457200" lvl="1" indent="0">
+              <a:buNone/>
+            </a:pPr>
+            <a:r>
+              <a:rPr lang="en-US" dirty="0">
+                <a:highlight>
+                  <a:srgbClr val="00FFFF"/>
+                </a:highlight>
+              </a:rPr>
               <a:t>        &lt;li class="list-group-item"&gt;One&lt;/li&gt;</a:t>
             </a:r>
           </a:p>
@@ -12469,7 +12809,11 @@
               <a:buNone/>
             </a:pPr>
             <a:r>
-              <a:rPr lang="en-US"/>
+              <a:rPr lang="en-US" dirty="0">
+                <a:highlight>
+                  <a:srgbClr val="00FFFF"/>
+                </a:highlight>
+              </a:rPr>
               <a:t>        &lt;li class="list-group-item"&gt;Two&lt;/li&gt;</a:t>
             </a:r>
           </a:p>
@@ -12478,7 +12822,11 @@
               <a:buNone/>
             </a:pPr>
             <a:r>
-              <a:rPr lang="en-US"/>
+              <a:rPr lang="en-US" dirty="0">
+                <a:highlight>
+                  <a:srgbClr val="00FFFF"/>
+                </a:highlight>
+              </a:rPr>
               <a:t>        &lt;li class="list-group-item"&gt;Three&lt;/li&gt;</a:t>
             </a:r>
           </a:p>
@@ -12487,16 +12835,40 @@
               <a:buNone/>
             </a:pPr>
             <a:r>
-              <a:rPr lang="en-US"/>
-              <a:t>      &lt;/ul&gt;</a:t>
-            </a:r>
-          </a:p>
-          <a:p>
-            <a:pPr marL="457200" lvl="1" indent="0">
-              <a:buNone/>
-            </a:pPr>
-            <a:r>
-              <a:rPr lang="en-US"/>
+              <a:rPr lang="en-US" dirty="0">
+                <a:highlight>
+                  <a:srgbClr val="00FFFF"/>
+                </a:highlight>
+              </a:rPr>
+              <a:t>      &lt;/</a:t>
+            </a:r>
+            <a:r>
+              <a:rPr lang="en-US" dirty="0" err="1">
+                <a:highlight>
+                  <a:srgbClr val="00FFFF"/>
+                </a:highlight>
+              </a:rPr>
+              <a:t>ul</a:t>
+            </a:r>
+            <a:r>
+              <a:rPr lang="en-US" dirty="0">
+                <a:highlight>
+                  <a:srgbClr val="00FFFF"/>
+                </a:highlight>
+              </a:rPr>
+              <a:t>&gt;</a:t>
+            </a:r>
+          </a:p>
+          <a:p>
+            <a:pPr marL="457200" lvl="1" indent="0">
+              <a:buNone/>
+            </a:pPr>
+            <a:r>
+              <a:rPr lang="en-US" dirty="0">
+                <a:highlight>
+                  <a:srgbClr val="00FFFF"/>
+                </a:highlight>
+              </a:rPr>
               <a:t>      &lt;div class="panel-footer"&gt;Footer&lt;/div&gt;</a:t>
             </a:r>
           </a:p>
@@ -12505,7 +12877,11 @@
               <a:buNone/>
             </a:pPr>
             <a:r>
-              <a:rPr lang="en-US"/>
+              <a:rPr lang="en-US" dirty="0">
+                <a:highlight>
+                  <a:srgbClr val="00FFFF"/>
+                </a:highlight>
+              </a:rPr>
               <a:t>    &lt;/div&gt;</a:t>
             </a:r>
           </a:p>
@@ -12514,7 +12890,11 @@
               <a:buNone/>
             </a:pPr>
             <a:r>
-              <a:rPr lang="en-US"/>
+              <a:rPr lang="en-US" dirty="0">
+                <a:highlight>
+                  <a:srgbClr val="00FFFF"/>
+                </a:highlight>
+              </a:rPr>
               <a:t>  &lt;/div&gt;</a:t>
             </a:r>
           </a:p>
@@ -12523,7 +12903,11 @@
               <a:buNone/>
             </a:pPr>
             <a:r>
-              <a:rPr lang="en-US"/>
+              <a:rPr lang="en-US" dirty="0">
+                <a:highlight>
+                  <a:srgbClr val="00FFFF"/>
+                </a:highlight>
+              </a:rPr>
               <a:t>&lt;/div&gt; </a:t>
             </a:r>
           </a:p>
